--- a/Skripsi/Ready To Upload Seminar Terbuka/Template sidang.pptx
+++ b/Skripsi/Ready To Upload Seminar Terbuka/Template sidang.pptx
@@ -217,7 +217,7 @@
           <a:p>
             <a:fld id="{0233DA3D-92A6-4494-B7CD-1FB1D6FD098B}" type="datetimeFigureOut">
               <a:rPr lang="en-US" smtClean="0"/>
-              <a:t>7/24/2022</a:t>
+              <a:t>8/25/2022</a:t>
             </a:fld>
             <a:endParaRPr lang="en-US"/>
           </a:p>
@@ -1187,7 +1187,7 @@
           <a:p>
             <a:fld id="{EBBB74AD-B0A4-4DAC-8D2C-9587FD9E61C4}" type="datetimeFigureOut">
               <a:rPr lang="en-US" smtClean="0"/>
-              <a:t>7/24/2022</a:t>
+              <a:t>8/25/2022</a:t>
             </a:fld>
             <a:endParaRPr lang="en-US"/>
           </a:p>
@@ -1350,7 +1350,7 @@
           <a:p>
             <a:fld id="{EBBB74AD-B0A4-4DAC-8D2C-9587FD9E61C4}" type="datetimeFigureOut">
               <a:rPr lang="en-US" smtClean="0"/>
-              <a:t>7/24/2022</a:t>
+              <a:t>8/25/2022</a:t>
             </a:fld>
             <a:endParaRPr lang="en-US"/>
           </a:p>
@@ -1523,7 +1523,7 @@
           <a:p>
             <a:fld id="{EBBB74AD-B0A4-4DAC-8D2C-9587FD9E61C4}" type="datetimeFigureOut">
               <a:rPr lang="en-US" smtClean="0"/>
-              <a:t>7/24/2022</a:t>
+              <a:t>8/25/2022</a:t>
             </a:fld>
             <a:endParaRPr lang="en-US"/>
           </a:p>
@@ -1686,7 +1686,7 @@
           <a:p>
             <a:fld id="{EBBB74AD-B0A4-4DAC-8D2C-9587FD9E61C4}" type="datetimeFigureOut">
               <a:rPr lang="en-US" smtClean="0"/>
-              <a:t>7/24/2022</a:t>
+              <a:t>8/25/2022</a:t>
             </a:fld>
             <a:endParaRPr lang="en-US"/>
           </a:p>
@@ -1926,7 +1926,7 @@
           <a:p>
             <a:fld id="{EBBB74AD-B0A4-4DAC-8D2C-9587FD9E61C4}" type="datetimeFigureOut">
               <a:rPr lang="en-US" smtClean="0"/>
-              <a:t>7/24/2022</a:t>
+              <a:t>8/25/2022</a:t>
             </a:fld>
             <a:endParaRPr lang="en-US"/>
           </a:p>
@@ -2206,7 +2206,7 @@
           <a:p>
             <a:fld id="{EBBB74AD-B0A4-4DAC-8D2C-9587FD9E61C4}" type="datetimeFigureOut">
               <a:rPr lang="en-US" smtClean="0"/>
-              <a:t>7/24/2022</a:t>
+              <a:t>8/25/2022</a:t>
             </a:fld>
             <a:endParaRPr lang="en-US"/>
           </a:p>
@@ -2625,7 +2625,7 @@
           <a:p>
             <a:fld id="{EBBB74AD-B0A4-4DAC-8D2C-9587FD9E61C4}" type="datetimeFigureOut">
               <a:rPr lang="en-US" smtClean="0"/>
-              <a:t>7/24/2022</a:t>
+              <a:t>8/25/2022</a:t>
             </a:fld>
             <a:endParaRPr lang="en-US"/>
           </a:p>
@@ -2737,7 +2737,7 @@
           <a:p>
             <a:fld id="{EBBB74AD-B0A4-4DAC-8D2C-9587FD9E61C4}" type="datetimeFigureOut">
               <a:rPr lang="en-US" smtClean="0"/>
-              <a:t>7/24/2022</a:t>
+              <a:t>8/25/2022</a:t>
             </a:fld>
             <a:endParaRPr lang="en-US"/>
           </a:p>
@@ -2827,7 +2827,7 @@
           <a:p>
             <a:fld id="{EBBB74AD-B0A4-4DAC-8D2C-9587FD9E61C4}" type="datetimeFigureOut">
               <a:rPr lang="en-US" smtClean="0"/>
-              <a:t>7/24/2022</a:t>
+              <a:t>8/25/2022</a:t>
             </a:fld>
             <a:endParaRPr lang="en-US"/>
           </a:p>
@@ -3097,7 +3097,7 @@
           <a:p>
             <a:fld id="{EBBB74AD-B0A4-4DAC-8D2C-9587FD9E61C4}" type="datetimeFigureOut">
               <a:rPr lang="en-US" smtClean="0"/>
-              <a:t>7/24/2022</a:t>
+              <a:t>8/25/2022</a:t>
             </a:fld>
             <a:endParaRPr lang="en-US"/>
           </a:p>
@@ -3344,7 +3344,7 @@
           <a:p>
             <a:fld id="{EBBB74AD-B0A4-4DAC-8D2C-9587FD9E61C4}" type="datetimeFigureOut">
               <a:rPr lang="en-US" smtClean="0"/>
-              <a:t>7/24/2022</a:t>
+              <a:t>8/25/2022</a:t>
             </a:fld>
             <a:endParaRPr lang="en-US"/>
           </a:p>
@@ -3550,7 +3550,7 @@
           <a:p>
             <a:fld id="{EBBB74AD-B0A4-4DAC-8D2C-9587FD9E61C4}" type="datetimeFigureOut">
               <a:rPr lang="en-US" smtClean="0"/>
-              <a:t>7/24/2022</a:t>
+              <a:t>8/25/2022</a:t>
             </a:fld>
             <a:endParaRPr lang="en-US"/>
           </a:p>
@@ -4328,6 +4328,17 @@
               <a:defRPr/>
             </a:pPr>
             <a:r>
+              <a:rPr lang="en-US" sz="1600" dirty="0" err="1">
+                <a:solidFill>
+                  <a:schemeClr val="tx2"/>
+                </a:solidFill>
+                <a:latin typeface="Century Gothic" pitchFamily="34" charset="0"/>
+                <a:ea typeface="Arial Unicode MS" pitchFamily="34" charset="-128"/>
+                <a:cs typeface="Arial Unicode MS" pitchFamily="34" charset="-128"/>
+              </a:rPr>
+              <a:t>Sidang</a:t>
+            </a:r>
+            <a:r>
               <a:rPr lang="en-US" sz="1600" dirty="0">
                 <a:solidFill>
                   <a:schemeClr val="tx2"/>
@@ -4336,8 +4347,27 @@
                 <a:ea typeface="Arial Unicode MS" pitchFamily="34" charset="-128"/>
                 <a:cs typeface="Arial Unicode MS" pitchFamily="34" charset="-128"/>
               </a:rPr>
-              <a:t>Seminar Terbuka</a:t>
-            </a:r>
+              <a:t> </a:t>
+            </a:r>
+            <a:r>
+              <a:rPr lang="en-US" sz="1600" dirty="0" err="1">
+                <a:solidFill>
+                  <a:schemeClr val="tx2"/>
+                </a:solidFill>
+                <a:latin typeface="Century Gothic" pitchFamily="34" charset="0"/>
+                <a:ea typeface="Arial Unicode MS" pitchFamily="34" charset="-128"/>
+                <a:cs typeface="Arial Unicode MS" pitchFamily="34" charset="-128"/>
+              </a:rPr>
+              <a:t>Akhir</a:t>
+            </a:r>
+            <a:endParaRPr lang="en-US" sz="1600" dirty="0">
+              <a:solidFill>
+                <a:schemeClr val="tx2"/>
+              </a:solidFill>
+              <a:latin typeface="Century Gothic" pitchFamily="34" charset="0"/>
+              <a:ea typeface="Arial Unicode MS" pitchFamily="34" charset="-128"/>
+              <a:cs typeface="Arial Unicode MS" pitchFamily="34" charset="-128"/>
+            </a:endParaRPr>
           </a:p>
           <a:p>
             <a:pPr algn="ctr" fontAlgn="auto">
